--- a/ИСР 1/ИСР 1.pptx
+++ b/ИСР 1/ИСР 1.pptx
@@ -310,7 +310,7 @@
           <a:p>
             <a:fld id="{EB6EE5AA-A20D-41F6-89AC-E91942662B27}" type="datetimeFigureOut">
               <a:rPr lang="ru-RU" smtClean="0"/>
-              <a:t>06.09.2025</a:t>
+              <a:t>25.09.2025</a:t>
             </a:fld>
             <a:endParaRPr lang="ru-RU"/>
           </a:p>
@@ -585,7 +585,7 @@
           <a:p>
             <a:fld id="{EB6EE5AA-A20D-41F6-89AC-E91942662B27}" type="datetimeFigureOut">
               <a:rPr lang="ru-RU" smtClean="0"/>
-              <a:t>06.09.2025</a:t>
+              <a:t>25.09.2025</a:t>
             </a:fld>
             <a:endParaRPr lang="ru-RU"/>
           </a:p>
@@ -779,7 +779,7 @@
           <a:p>
             <a:fld id="{EB6EE5AA-A20D-41F6-89AC-E91942662B27}" type="datetimeFigureOut">
               <a:rPr lang="ru-RU" smtClean="0"/>
-              <a:t>06.09.2025</a:t>
+              <a:t>25.09.2025</a:t>
             </a:fld>
             <a:endParaRPr lang="ru-RU"/>
           </a:p>
@@ -1052,7 +1052,7 @@
           <a:p>
             <a:fld id="{EB6EE5AA-A20D-41F6-89AC-E91942662B27}" type="datetimeFigureOut">
               <a:rPr lang="ru-RU" smtClean="0"/>
-              <a:t>06.09.2025</a:t>
+              <a:t>25.09.2025</a:t>
             </a:fld>
             <a:endParaRPr lang="ru-RU"/>
           </a:p>
@@ -1393,7 +1393,7 @@
           <a:p>
             <a:fld id="{EB6EE5AA-A20D-41F6-89AC-E91942662B27}" type="datetimeFigureOut">
               <a:rPr lang="ru-RU" smtClean="0"/>
-              <a:t>06.09.2025</a:t>
+              <a:t>25.09.2025</a:t>
             </a:fld>
             <a:endParaRPr lang="ru-RU"/>
           </a:p>
@@ -2016,7 +2016,7 @@
           <a:p>
             <a:fld id="{EB6EE5AA-A20D-41F6-89AC-E91942662B27}" type="datetimeFigureOut">
               <a:rPr lang="ru-RU" smtClean="0"/>
-              <a:t>06.09.2025</a:t>
+              <a:t>25.09.2025</a:t>
             </a:fld>
             <a:endParaRPr lang="ru-RU"/>
           </a:p>
@@ -2876,7 +2876,7 @@
           <a:p>
             <a:fld id="{EB6EE5AA-A20D-41F6-89AC-E91942662B27}" type="datetimeFigureOut">
               <a:rPr lang="ru-RU" smtClean="0"/>
-              <a:t>06.09.2025</a:t>
+              <a:t>25.09.2025</a:t>
             </a:fld>
             <a:endParaRPr lang="ru-RU"/>
           </a:p>
@@ -3046,7 +3046,7 @@
           <a:p>
             <a:fld id="{EB6EE5AA-A20D-41F6-89AC-E91942662B27}" type="datetimeFigureOut">
               <a:rPr lang="ru-RU" smtClean="0"/>
-              <a:t>06.09.2025</a:t>
+              <a:t>25.09.2025</a:t>
             </a:fld>
             <a:endParaRPr lang="ru-RU"/>
           </a:p>
@@ -3226,7 +3226,7 @@
           <a:p>
             <a:fld id="{EB6EE5AA-A20D-41F6-89AC-E91942662B27}" type="datetimeFigureOut">
               <a:rPr lang="ru-RU" smtClean="0"/>
-              <a:t>06.09.2025</a:t>
+              <a:t>25.09.2025</a:t>
             </a:fld>
             <a:endParaRPr lang="ru-RU"/>
           </a:p>
@@ -3396,7 +3396,7 @@
           <a:p>
             <a:fld id="{EB6EE5AA-A20D-41F6-89AC-E91942662B27}" type="datetimeFigureOut">
               <a:rPr lang="ru-RU" smtClean="0"/>
-              <a:t>06.09.2025</a:t>
+              <a:t>25.09.2025</a:t>
             </a:fld>
             <a:endParaRPr lang="ru-RU"/>
           </a:p>
@@ -3643,7 +3643,7 @@
           <a:p>
             <a:fld id="{EB6EE5AA-A20D-41F6-89AC-E91942662B27}" type="datetimeFigureOut">
               <a:rPr lang="ru-RU" smtClean="0"/>
-              <a:t>06.09.2025</a:t>
+              <a:t>25.09.2025</a:t>
             </a:fld>
             <a:endParaRPr lang="ru-RU"/>
           </a:p>
@@ -3935,7 +3935,7 @@
           <a:p>
             <a:fld id="{EB6EE5AA-A20D-41F6-89AC-E91942662B27}" type="datetimeFigureOut">
               <a:rPr lang="ru-RU" smtClean="0"/>
-              <a:t>06.09.2025</a:t>
+              <a:t>25.09.2025</a:t>
             </a:fld>
             <a:endParaRPr lang="ru-RU"/>
           </a:p>
@@ -4379,7 +4379,7 @@
           <a:p>
             <a:fld id="{EB6EE5AA-A20D-41F6-89AC-E91942662B27}" type="datetimeFigureOut">
               <a:rPr lang="ru-RU" smtClean="0"/>
-              <a:t>06.09.2025</a:t>
+              <a:t>25.09.2025</a:t>
             </a:fld>
             <a:endParaRPr lang="ru-RU"/>
           </a:p>
@@ -4497,7 +4497,7 @@
           <a:p>
             <a:fld id="{EB6EE5AA-A20D-41F6-89AC-E91942662B27}" type="datetimeFigureOut">
               <a:rPr lang="ru-RU" smtClean="0"/>
-              <a:t>06.09.2025</a:t>
+              <a:t>25.09.2025</a:t>
             </a:fld>
             <a:endParaRPr lang="ru-RU"/>
           </a:p>
@@ -4592,7 +4592,7 @@
           <a:p>
             <a:fld id="{EB6EE5AA-A20D-41F6-89AC-E91942662B27}" type="datetimeFigureOut">
               <a:rPr lang="ru-RU" smtClean="0"/>
-              <a:t>06.09.2025</a:t>
+              <a:t>25.09.2025</a:t>
             </a:fld>
             <a:endParaRPr lang="ru-RU"/>
           </a:p>
@@ -4871,7 +4871,7 @@
           <a:p>
             <a:fld id="{EB6EE5AA-A20D-41F6-89AC-E91942662B27}" type="datetimeFigureOut">
               <a:rPr lang="ru-RU" smtClean="0"/>
-              <a:t>06.09.2025</a:t>
+              <a:t>25.09.2025</a:t>
             </a:fld>
             <a:endParaRPr lang="ru-RU"/>
           </a:p>
@@ -5146,7 +5146,7 @@
           <a:p>
             <a:fld id="{EB6EE5AA-A20D-41F6-89AC-E91942662B27}" type="datetimeFigureOut">
               <a:rPr lang="ru-RU" smtClean="0"/>
-              <a:t>06.09.2025</a:t>
+              <a:t>25.09.2025</a:t>
             </a:fld>
             <a:endParaRPr lang="ru-RU"/>
           </a:p>
@@ -5349,6 +5349,13 @@
             <a:schemeClr val="lt1"/>
           </a:fontRef>
         </p:style>
+        <p:txBody>
+          <a:bodyPr/>
+          <a:lstStyle/>
+          <a:p>
+            <a:endParaRPr lang="ru-RU"/>
+          </a:p>
+        </p:txBody>
       </p:sp>
       <p:pic>
         <p:nvPicPr>
@@ -5443,6 +5450,13 @@
             <a:schemeClr val="lt1"/>
           </a:fontRef>
         </p:style>
+        <p:txBody>
+          <a:bodyPr/>
+          <a:lstStyle/>
+          <a:p>
+            <a:endParaRPr lang="ru-RU"/>
+          </a:p>
+        </p:txBody>
       </p:sp>
       <p:sp>
         <p:nvSpPr>
@@ -5575,7 +5589,7 @@
           <a:p>
             <a:fld id="{EB6EE5AA-A20D-41F6-89AC-E91942662B27}" type="datetimeFigureOut">
               <a:rPr lang="ru-RU" smtClean="0"/>
-              <a:t>06.09.2025</a:t>
+              <a:t>25.09.2025</a:t>
             </a:fld>
             <a:endParaRPr lang="ru-RU"/>
           </a:p>
@@ -7358,19 +7372,39 @@
         </p:nvSpPr>
         <p:spPr>
           <a:xfrm>
-            <a:off x="562154" y="1609964"/>
-            <a:ext cx="11152517" cy="4808088"/>
+            <a:off x="0" y="1609964"/>
+            <a:ext cx="12192000" cy="5165740"/>
           </a:xfrm>
         </p:spPr>
         <p:txBody>
           <a:bodyPr>
-            <a:normAutofit fontScale="55000" lnSpcReduction="20000"/>
+            <a:normAutofit fontScale="70000" lnSpcReduction="20000"/>
           </a:bodyPr>
           <a:lstStyle/>
           <a:p>
             <a:r>
               <a:rPr lang="en-US" dirty="0"/>
-              <a:t>CLion — The Cross-Platform IDE for C and C++ // JetBrains URL: </a:t>
+              <a:t>A cross-platform IDE for C and C++. — </a:t>
+            </a:r>
+            <a:r>
+              <a:rPr lang="ru-RU" dirty="0"/>
+              <a:t>Текст : электронный // </a:t>
+            </a:r>
+            <a:r>
+              <a:rPr lang="en-US" dirty="0" err="1"/>
+              <a:t>Jetbrains</a:t>
+            </a:r>
+            <a:r>
+              <a:rPr lang="en-US" dirty="0"/>
+              <a:t> : [</a:t>
+            </a:r>
+            <a:r>
+              <a:rPr lang="ru-RU" dirty="0"/>
+              <a:t>сайт]. — </a:t>
+            </a:r>
+            <a:r>
+              <a:rPr lang="en-US" dirty="0"/>
+              <a:t>URL:  </a:t>
             </a:r>
             <a:r>
               <a:rPr lang="en-US" dirty="0">
@@ -7384,49 +7418,97 @@
             </a:r>
             <a:r>
               <a:rPr lang="ru-RU" dirty="0"/>
-              <a:t>дата обращения: 06.09.2025)</a:t>
-            </a:r>
-            <a:r>
-              <a:rPr lang="en-US" dirty="0"/>
-              <a:t>.</a:t>
-            </a:r>
-            <a:endParaRPr lang="ru-RU" dirty="0"/>
-          </a:p>
-          <a:p>
-            <a:r>
-              <a:rPr lang="en-US" dirty="0"/>
-              <a:t>CLion Documentation // JetBrains Help URL: </a:t>
-            </a:r>
-            <a:r>
-              <a:rPr lang="en-US" dirty="0">
+              <a:t>дата обращения: 25.09.2025).</a:t>
+            </a:r>
+            <a:endParaRPr lang="en-US" dirty="0"/>
+          </a:p>
+          <a:p>
+            <a:r>
+              <a:rPr lang="ru-RU" dirty="0" err="1"/>
+              <a:t>Install</a:t>
+            </a:r>
+            <a:r>
+              <a:rPr lang="ru-RU" dirty="0"/>
+              <a:t> </a:t>
+            </a:r>
+            <a:r>
+              <a:rPr lang="ru-RU" dirty="0" err="1"/>
+              <a:t>CLion</a:t>
+            </a:r>
+            <a:r>
+              <a:rPr lang="ru-RU" dirty="0"/>
+              <a:t>. — Текст : электронный // </a:t>
+            </a:r>
+            <a:r>
+              <a:rPr lang="ru-RU" dirty="0" err="1"/>
+              <a:t>Jetbrains</a:t>
+            </a:r>
+            <a:r>
+              <a:rPr lang="ru-RU" dirty="0"/>
+              <a:t> : [сайт]. — URL: </a:t>
+            </a:r>
+            <a:r>
+              <a:rPr lang="ru-RU" dirty="0">
                 <a:hlinkClick r:id="rId3"/>
               </a:rPr>
-              <a:t>https://www.jetbrains.com/help/clion/</a:t>
+              <a:t>https://www.jetbrains.com/help/clion/installation-guide.html </a:t>
+            </a:r>
+            <a:r>
+              <a:rPr lang="ru-RU" dirty="0"/>
+              <a:t>(дата</a:t>
             </a:r>
             <a:r>
               <a:rPr lang="en-US" dirty="0"/>
-              <a:t> (</a:t>
-            </a:r>
-            <a:r>
-              <a:rPr lang="ru-RU" dirty="0"/>
-              <a:t>дата обращения: 06.09.2025)</a:t>
-            </a:r>
+              <a:t> </a:t>
+            </a:r>
+            <a:r>
+              <a:rPr lang="ru-RU" dirty="0"/>
+              <a:t>обращения: 25.09.2025).</a:t>
+            </a:r>
+            <a:endParaRPr lang="en-US" dirty="0"/>
+          </a:p>
+          <a:p>
             <a:r>
               <a:rPr lang="en-US" dirty="0"/>
-              <a:t>.</a:t>
-            </a:r>
-            <a:endParaRPr lang="ru-RU" dirty="0"/>
-          </a:p>
-          <a:p>
+              <a:t>JetBrains. — </a:t>
+            </a:r>
+            <a:r>
+              <a:rPr lang="ru-RU" dirty="0"/>
+              <a:t>Текст : электронный // </a:t>
+            </a:r>
+            <a:r>
+              <a:rPr lang="en-US" dirty="0" err="1"/>
+              <a:t>wikipedia</a:t>
+            </a:r>
             <a:r>
               <a:rPr lang="en-US" dirty="0"/>
-              <a:t>Stack Overflow Developer Survey 2023 // Stack Overflow URL: </a:t>
+              <a:t> : [</a:t>
+            </a:r>
+            <a:r>
+              <a:rPr lang="ru-RU" dirty="0"/>
+              <a:t>сайт]. — </a:t>
+            </a:r>
+            <a:r>
+              <a:rPr lang="en-US" dirty="0"/>
+              <a:t>URL: </a:t>
             </a:r>
             <a:r>
               <a:rPr lang="en-US" dirty="0">
-                <a:hlinkClick r:id="rId4"/>
+                <a:hlinkClick r:id="rId4" action="ppaction://hlinkfile"/>
               </a:rPr>
-              <a:t>https://survey.stackoverflow.com/ </a:t>
+              <a:t>en.wikipedia.org/wiki/</a:t>
+            </a:r>
+            <a:r>
+              <a:rPr lang="en-US" dirty="0" err="1">
+                <a:hlinkClick r:id="rId4" action="ppaction://hlinkfile"/>
+              </a:rPr>
+              <a:t>CLion</a:t>
+            </a:r>
+            <a:r>
+              <a:rPr lang="en-US" dirty="0">
+                <a:hlinkClick r:id="rId4" action="ppaction://hlinkfile"/>
+              </a:rPr>
+              <a:t> </a:t>
             </a:r>
             <a:r>
               <a:rPr lang="en-US" dirty="0"/>
@@ -7434,149 +7516,189 @@
             </a:r>
             <a:r>
               <a:rPr lang="ru-RU" dirty="0"/>
-              <a:t>дата обращения: 06.09.2025)</a:t>
-            </a:r>
-            <a:r>
-              <a:rPr lang="en-US" dirty="0"/>
-              <a:t>.</a:t>
-            </a:r>
-            <a:endParaRPr lang="ru-RU" dirty="0"/>
-          </a:p>
-          <a:p>
-            <a:r>
-              <a:rPr lang="en-US" dirty="0"/>
-              <a:t>CLion // Wikipedia URL: </a:t>
-            </a:r>
-            <a:r>
-              <a:rPr lang="en-US" dirty="0">
+              <a:t>дата обращения: 25.09.2025).</a:t>
+            </a:r>
+            <a:endParaRPr lang="en-US" dirty="0"/>
+          </a:p>
+          <a:p>
+            <a:r>
+              <a:rPr lang="ru-RU" dirty="0"/>
+              <a:t>CMAKE. — Текст : электронный // </a:t>
+            </a:r>
+            <a:r>
+              <a:rPr lang="ru-RU" dirty="0" err="1"/>
+              <a:t>cmake</a:t>
+            </a:r>
+            <a:r>
+              <a:rPr lang="ru-RU" dirty="0"/>
+              <a:t> : [сайт]. — URL: </a:t>
+            </a:r>
+            <a:r>
+              <a:rPr lang="ru-RU" dirty="0">
                 <a:hlinkClick r:id="rId5"/>
               </a:rPr>
-              <a:t>https://en.wikipedia.org/wiki/CLion </a:t>
-            </a:r>
-            <a:r>
-              <a:rPr lang="en-US" dirty="0"/>
-              <a:t>(</a:t>
-            </a:r>
-            <a:r>
-              <a:rPr lang="ru-RU" dirty="0"/>
-              <a:t>дата обращения: 06.09.2025)</a:t>
-            </a:r>
-            <a:r>
-              <a:rPr lang="en-US" dirty="0"/>
-              <a:t>.</a:t>
-            </a:r>
-            <a:endParaRPr lang="ru-RU" dirty="0"/>
-          </a:p>
-          <a:p>
-            <a:r>
-              <a:rPr lang="en-US" dirty="0"/>
-              <a:t>Open Source // GitHub URL: </a:t>
-            </a:r>
-            <a:r>
-              <a:rPr lang="en-US" dirty="0">
+              <a:t>https://cmake.org</a:t>
+            </a:r>
+            <a:r>
+              <a:rPr lang="ru-RU" dirty="0"/>
+              <a:t> (дата обращения: 25.09.2025).</a:t>
+            </a:r>
+            <a:endParaRPr lang="en-US" dirty="0"/>
+          </a:p>
+          <a:p>
+            <a:r>
+              <a:rPr lang="ru-RU" dirty="0"/>
+              <a:t>The LLDB </a:t>
+            </a:r>
+            <a:r>
+              <a:rPr lang="ru-RU" dirty="0" err="1"/>
+              <a:t>Debugger</a:t>
+            </a:r>
+            <a:r>
+              <a:rPr lang="ru-RU" dirty="0"/>
+              <a:t>. — Текст : электронный // </a:t>
+            </a:r>
+            <a:r>
+              <a:rPr lang="ru-RU" dirty="0" err="1"/>
+              <a:t>lldb</a:t>
+            </a:r>
+            <a:r>
+              <a:rPr lang="ru-RU" dirty="0"/>
+              <a:t> : [сайт]. — URL: </a:t>
+            </a:r>
+            <a:r>
+              <a:rPr lang="ru-RU" dirty="0">
                 <a:hlinkClick r:id="rId6"/>
               </a:rPr>
-              <a:t>https://github.com </a:t>
-            </a:r>
+              <a:t>https://lldb.llvm.org</a:t>
+            </a:r>
+            <a:r>
+              <a:rPr lang="ru-RU" dirty="0"/>
+              <a:t> (дата обращения: 25.09.2025).</a:t>
+            </a:r>
+            <a:endParaRPr lang="en-US" dirty="0"/>
+          </a:p>
+          <a:p>
             <a:r>
               <a:rPr lang="en-US" dirty="0"/>
-              <a:t>(</a:t>
-            </a:r>
-            <a:r>
-              <a:rPr lang="ru-RU" dirty="0"/>
-              <a:t>дата обращения: 06.09.2025)</a:t>
+              <a:t>Microsoft C++, C, and Assembler documentation. — </a:t>
+            </a:r>
+            <a:r>
+              <a:rPr lang="ru-RU" dirty="0"/>
+              <a:t>Текст : электронный // </a:t>
             </a:r>
             <a:r>
               <a:rPr lang="en-US" dirty="0"/>
-              <a:t>.</a:t>
-            </a:r>
-            <a:endParaRPr lang="ru-RU" dirty="0"/>
-          </a:p>
-          <a:p>
+              <a:t>Microsoft : [</a:t>
+            </a:r>
+            <a:r>
+              <a:rPr lang="ru-RU" dirty="0"/>
+              <a:t>сайт]. — </a:t>
+            </a:r>
             <a:r>
               <a:rPr lang="en-US" dirty="0"/>
-              <a:t>CMake — Cross-platform build system // CMake URL: </a:t>
+              <a:t>URL: </a:t>
             </a:r>
             <a:r>
               <a:rPr lang="en-US" dirty="0">
                 <a:hlinkClick r:id="rId7"/>
               </a:rPr>
-              <a:t>https://cmake.org </a:t>
+              <a:t>https://learn.microsoft.com/en-us/cpp/?view=msvc-170</a:t>
             </a:r>
             <a:r>
               <a:rPr lang="en-US" dirty="0"/>
-              <a:t>(</a:t>
-            </a:r>
-            <a:r>
-              <a:rPr lang="ru-RU" dirty="0"/>
-              <a:t>дата обращения: 06.09.2025)</a:t>
-            </a:r>
-            <a:r>
-              <a:rPr lang="en-US" dirty="0"/>
-              <a:t>.</a:t>
-            </a:r>
-            <a:endParaRPr lang="ru-RU" dirty="0"/>
-          </a:p>
-          <a:p>
-            <a:r>
-              <a:rPr lang="en-US" dirty="0"/>
-              <a:t>LLDB: LLVM Debugger // LLVM Project URL: </a:t>
-            </a:r>
-            <a:r>
-              <a:rPr lang="en-US" dirty="0">
+              <a:t> (</a:t>
+            </a:r>
+            <a:r>
+              <a:rPr lang="ru-RU" dirty="0"/>
+              <a:t>дата обращения: 25.09.2025).</a:t>
+            </a:r>
+            <a:endParaRPr lang="en-US" dirty="0"/>
+          </a:p>
+          <a:p>
+            <a:r>
+              <a:rPr lang="ru-RU" dirty="0" err="1"/>
+              <a:t>GoogleTest</a:t>
+            </a:r>
+            <a:r>
+              <a:rPr lang="ru-RU" dirty="0"/>
+              <a:t>. — Текст : электронный // </a:t>
+            </a:r>
+            <a:r>
+              <a:rPr lang="ru-RU" dirty="0" err="1"/>
+              <a:t>github</a:t>
+            </a:r>
+            <a:r>
+              <a:rPr lang="ru-RU" dirty="0"/>
+              <a:t> : [сайт]. — URL: </a:t>
+            </a:r>
+            <a:r>
+              <a:rPr lang="ru-RU" dirty="0">
                 <a:hlinkClick r:id="rId8"/>
               </a:rPr>
-              <a:t>https://lldb.llvm.org </a:t>
-            </a:r>
-            <a:r>
-              <a:rPr lang="en-US" dirty="0"/>
-              <a:t>(</a:t>
-            </a:r>
-            <a:r>
-              <a:rPr lang="ru-RU" dirty="0"/>
-              <a:t>дата обращения: 06.09.2025)</a:t>
-            </a:r>
-            <a:r>
-              <a:rPr lang="en-US" dirty="0"/>
-              <a:t>.</a:t>
-            </a:r>
-            <a:endParaRPr lang="ru-RU" dirty="0"/>
-          </a:p>
-          <a:p>
-            <a:r>
-              <a:rPr lang="en-US" dirty="0"/>
-              <a:t>GCC, the GNU Compiler Collection // GNU Project URL: </a:t>
-            </a:r>
-            <a:r>
-              <a:rPr lang="en-US" dirty="0">
+              <a:t>https://github.com/google/googletest</a:t>
+            </a:r>
+            <a:r>
+              <a:rPr lang="ru-RU" dirty="0"/>
+              <a:t> (дата обращения: 25.09.2025).</a:t>
+            </a:r>
+            <a:endParaRPr lang="en-US" dirty="0"/>
+          </a:p>
+          <a:p>
+            <a:r>
+              <a:rPr lang="ru-RU" dirty="0" err="1"/>
+              <a:t>CLion</a:t>
+            </a:r>
+            <a:r>
+              <a:rPr lang="ru-RU" dirty="0"/>
+              <a:t>. — Текст : электронный // </a:t>
+            </a:r>
+            <a:r>
+              <a:rPr lang="ru-RU" dirty="0" err="1"/>
+              <a:t>jetbrains</a:t>
+            </a:r>
+            <a:r>
+              <a:rPr lang="ru-RU" dirty="0"/>
+              <a:t> : [сайт]. — URL: </a:t>
+            </a:r>
+            <a:r>
+              <a:rPr lang="ru-RU" dirty="0">
                 <a:hlinkClick r:id="rId9"/>
               </a:rPr>
-              <a:t>https://gcc.gnu.org </a:t>
-            </a:r>
+              <a:t>https://blog.jetbrains.com/clion</a:t>
+            </a:r>
+            <a:r>
+              <a:rPr lang="ru-RU" dirty="0"/>
+              <a:t> (дата обращения: 25.09.2025).</a:t>
+            </a:r>
+            <a:endParaRPr lang="en-US" dirty="0"/>
+          </a:p>
+          <a:p>
             <a:r>
               <a:rPr lang="en-US" dirty="0"/>
-              <a:t>(</a:t>
-            </a:r>
-            <a:r>
-              <a:rPr lang="ru-RU" dirty="0"/>
-              <a:t>дата обращения: 06.09.2025)</a:t>
+              <a:t>GitHub Copilot documentation. — </a:t>
+            </a:r>
+            <a:r>
+              <a:rPr lang="ru-RU" dirty="0"/>
+              <a:t>Текст : электронный // </a:t>
             </a:r>
             <a:r>
               <a:rPr lang="en-US" dirty="0"/>
-              <a:t>.</a:t>
-            </a:r>
-            <a:endParaRPr lang="ru-RU" dirty="0"/>
-          </a:p>
-          <a:p>
+              <a:t>GitHub : [</a:t>
+            </a:r>
+            <a:r>
+              <a:rPr lang="ru-RU" dirty="0"/>
+              <a:t>сайт]. — </a:t>
+            </a:r>
             <a:r>
               <a:rPr lang="en-US" dirty="0"/>
-              <a:t>Microsoft C++ (MSVC) documentation // Microsoft Docs URL: </a:t>
+              <a:t>URL: </a:t>
             </a:r>
             <a:r>
               <a:rPr lang="en-US" dirty="0">
                 <a:hlinkClick r:id="rId10"/>
               </a:rPr>
-              <a:t>https://docs.microsoft.com/en-us/cpp/</a:t>
+              <a:t>https://docs.github.com/en/copilot</a:t>
             </a:r>
             <a:r>
               <a:rPr lang="en-US" dirty="0"/>
@@ -7584,188 +7706,119 @@
             </a:r>
             <a:r>
               <a:rPr lang="ru-RU" dirty="0"/>
-              <a:t>дата обращения: 06.09.2025)</a:t>
-            </a:r>
-            <a:r>
-              <a:rPr lang="en-US" dirty="0"/>
-              <a:t>.</a:t>
-            </a:r>
-            <a:endParaRPr lang="ru-RU" dirty="0"/>
-          </a:p>
-          <a:p>
-            <a:r>
-              <a:rPr lang="en-US" dirty="0"/>
-              <a:t>GoogleTest // GitHub URL: </a:t>
-            </a:r>
-            <a:r>
-              <a:rPr lang="en-US" dirty="0">
+              <a:t>дата обращения: 25.09.2025).</a:t>
+            </a:r>
+            <a:endParaRPr lang="en-US" dirty="0"/>
+          </a:p>
+          <a:p>
+            <a:r>
+              <a:rPr lang="ru-RU" dirty="0"/>
+              <a:t>r/</a:t>
+            </a:r>
+            <a:r>
+              <a:rPr lang="ru-RU" dirty="0" err="1"/>
+              <a:t>cpp</a:t>
+            </a:r>
+            <a:r>
+              <a:rPr lang="ru-RU" dirty="0"/>
+              <a:t>. — Текст : электронный // </a:t>
+            </a:r>
+            <a:r>
+              <a:rPr lang="ru-RU" dirty="0" err="1"/>
+              <a:t>reddit</a:t>
+            </a:r>
+            <a:r>
+              <a:rPr lang="ru-RU" dirty="0"/>
+              <a:t> : [сайт]. — URL: </a:t>
+            </a:r>
+            <a:r>
+              <a:rPr lang="ru-RU" dirty="0">
                 <a:hlinkClick r:id="rId11"/>
               </a:rPr>
-              <a:t>https://github.com/google/googletest </a:t>
-            </a:r>
+              <a:t>https://www.reddit.com/r/cpp </a:t>
+            </a:r>
+            <a:r>
+              <a:rPr lang="ru-RU" dirty="0"/>
+              <a:t>(дата обращения: 25.09.2025).</a:t>
+            </a:r>
+            <a:endParaRPr lang="en-US" dirty="0"/>
+          </a:p>
+          <a:p>
             <a:r>
               <a:rPr lang="en-US" dirty="0"/>
-              <a:t>(</a:t>
-            </a:r>
-            <a:r>
-              <a:rPr lang="ru-RU" dirty="0"/>
-              <a:t>дата обращения: 06.09.2025)</a:t>
+              <a:t>JETBRAINS Student Pack. — </a:t>
+            </a:r>
+            <a:r>
+              <a:rPr lang="ru-RU" dirty="0"/>
+              <a:t>Текст : электронный // </a:t>
+            </a:r>
+            <a:r>
+              <a:rPr lang="en-US" dirty="0" err="1"/>
+              <a:t>jetbrains</a:t>
             </a:r>
             <a:r>
               <a:rPr lang="en-US" dirty="0"/>
-              <a:t>.</a:t>
-            </a:r>
-            <a:endParaRPr lang="ru-RU" dirty="0"/>
-          </a:p>
-          <a:p>
+              <a:t> : [</a:t>
+            </a:r>
+            <a:r>
+              <a:rPr lang="ru-RU" dirty="0"/>
+              <a:t>сайт]. — </a:t>
+            </a:r>
             <a:r>
               <a:rPr lang="en-US" dirty="0"/>
-              <a:t>AI Assistant in CLion: Code Generation and More // JetBrains Blog URL: </a:t>
+              <a:t>URL: </a:t>
             </a:r>
             <a:r>
               <a:rPr lang="en-US" dirty="0">
                 <a:hlinkClick r:id="rId12"/>
               </a:rPr>
-              <a:t>https://blog.jetbrains.com/clion/ </a:t>
+              <a:t>https://www.jetbrains.com/academy/student-pack</a:t>
             </a:r>
             <a:r>
               <a:rPr lang="en-US" dirty="0"/>
-              <a:t>(</a:t>
-            </a:r>
-            <a:r>
-              <a:rPr lang="ru-RU" dirty="0"/>
-              <a:t>дата обращения: 06.09.2025)</a:t>
-            </a:r>
-            <a:r>
-              <a:rPr lang="en-US" dirty="0"/>
-              <a:t>.</a:t>
-            </a:r>
-            <a:endParaRPr lang="ru-RU" dirty="0"/>
-          </a:p>
-          <a:p>
-            <a:r>
-              <a:rPr lang="en-US" dirty="0"/>
-              <a:t>About GitHub Copilot // GitHub Docs URL: </a:t>
-            </a:r>
-            <a:r>
-              <a:rPr lang="en-US" dirty="0">
+              <a:t> (</a:t>
+            </a:r>
+            <a:r>
+              <a:rPr lang="ru-RU" dirty="0"/>
+              <a:t>дата обращения: 25.09.2025).</a:t>
+            </a:r>
+            <a:endParaRPr lang="en-US" dirty="0"/>
+          </a:p>
+          <a:p>
+            <a:r>
+              <a:rPr lang="ru-RU" dirty="0" err="1"/>
+              <a:t>clion</a:t>
+            </a:r>
+            <a:r>
+              <a:rPr lang="ru-RU" dirty="0"/>
+              <a:t> </a:t>
+            </a:r>
+            <a:r>
+              <a:rPr lang="ru-RU" dirty="0" err="1"/>
+              <a:t>tutorial</a:t>
+            </a:r>
+            <a:r>
+              <a:rPr lang="ru-RU" dirty="0"/>
+              <a:t>. — Текст : электронный // </a:t>
+            </a:r>
+            <a:r>
+              <a:rPr lang="ru-RU" dirty="0" err="1"/>
+              <a:t>youtube</a:t>
+            </a:r>
+            <a:r>
+              <a:rPr lang="ru-RU" dirty="0"/>
+              <a:t> : [сайт]. — URL: </a:t>
+            </a:r>
+            <a:r>
+              <a:rPr lang="ru-RU" dirty="0">
                 <a:hlinkClick r:id="rId13"/>
               </a:rPr>
-              <a:t>https://docs.github.com/en/copilot </a:t>
-            </a:r>
-            <a:r>
-              <a:rPr lang="en-US" dirty="0"/>
-              <a:t>(</a:t>
-            </a:r>
-            <a:r>
-              <a:rPr lang="ru-RU" dirty="0"/>
-              <a:t>дата обращения: 06.09.2025)</a:t>
-            </a:r>
-            <a:r>
-              <a:rPr lang="en-US" dirty="0"/>
-              <a:t>.</a:t>
-            </a:r>
-            <a:endParaRPr lang="ru-RU" dirty="0"/>
-          </a:p>
-          <a:p>
-            <a:r>
-              <a:rPr lang="en-US" dirty="0"/>
-              <a:t>r/cpp — C++ Community Discussions // Reddit URL: </a:t>
-            </a:r>
-            <a:r>
-              <a:rPr lang="en-US" dirty="0">
-                <a:hlinkClick r:id="rId14"/>
-              </a:rPr>
-              <a:t>https://www.reddit.com/r/cpp/ </a:t>
-            </a:r>
-            <a:r>
-              <a:rPr lang="en-US" dirty="0"/>
-              <a:t>(</a:t>
-            </a:r>
-            <a:r>
-              <a:rPr lang="ru-RU" dirty="0"/>
-              <a:t>дата обращения: 06.09.2025)</a:t>
-            </a:r>
-            <a:r>
-              <a:rPr lang="en-US" dirty="0"/>
-              <a:t>.</a:t>
-            </a:r>
-            <a:endParaRPr lang="ru-RU" dirty="0"/>
-          </a:p>
-          <a:p>
-            <a:r>
-              <a:rPr lang="en-US" dirty="0"/>
-              <a:t>Why I Switched to CLion for C++ Development // Medium URL: </a:t>
-            </a:r>
-            <a:r>
-              <a:rPr lang="en-US" dirty="0">
-                <a:hlinkClick r:id="rId15"/>
-              </a:rPr>
-              <a:t>https://medium.com/@devcpp/clion-review-2023 </a:t>
-            </a:r>
-            <a:r>
-              <a:rPr lang="en-US" dirty="0"/>
-              <a:t>(</a:t>
-            </a:r>
-            <a:r>
-              <a:rPr lang="ru-RU" dirty="0"/>
-              <a:t>дата обращения: 06.09.2025)</a:t>
-            </a:r>
-            <a:r>
-              <a:rPr lang="en-US" dirty="0"/>
-              <a:t>.</a:t>
-            </a:r>
-            <a:endParaRPr lang="ru-RU" dirty="0"/>
-          </a:p>
-          <a:p>
-            <a:r>
-              <a:rPr lang="en-US" dirty="0"/>
-              <a:t>Free Educational Licenses for Students and Teachers // JetBrains URL: </a:t>
-            </a:r>
-            <a:r>
-              <a:rPr lang="en-US" dirty="0">
-                <a:hlinkClick r:id="rId16"/>
-              </a:rPr>
-              <a:t>https://www.jetbrains.com/community/education/ </a:t>
-            </a:r>
-            <a:r>
-              <a:rPr lang="en-US" dirty="0"/>
-              <a:t>(</a:t>
-            </a:r>
-            <a:r>
-              <a:rPr lang="ru-RU" dirty="0"/>
-              <a:t>дата обращения: 06.09.2025)</a:t>
-            </a:r>
-            <a:r>
-              <a:rPr lang="en-US" dirty="0"/>
-              <a:t>.</a:t>
-            </a:r>
-            <a:endParaRPr lang="ru-RU" dirty="0"/>
-          </a:p>
-          <a:p>
-            <a:r>
-              <a:rPr lang="en-US" dirty="0"/>
-              <a:t>CLion Tutorial for Beginners — Full Walkthrough // YouTube URL: </a:t>
-            </a:r>
-            <a:r>
-              <a:rPr lang="en-US" dirty="0">
-                <a:hlinkClick r:id="rId17"/>
-              </a:rPr>
-              <a:t>https://www.youtube.com/results?search_query=clion+tutorial </a:t>
-            </a:r>
-            <a:r>
-              <a:rPr lang="en-US" dirty="0"/>
-              <a:t>(</a:t>
-            </a:r>
-            <a:r>
-              <a:rPr lang="ru-RU" dirty="0"/>
-              <a:t>дата обращения: 06.09.2025)</a:t>
-            </a:r>
-            <a:r>
-              <a:rPr lang="en-US" dirty="0"/>
-              <a:t>.</a:t>
-            </a:r>
-            <a:endParaRPr lang="ru-RU" dirty="0"/>
+              <a:t>https://www.youtube.com/results?search_query=clion+tutorial</a:t>
+            </a:r>
+            <a:r>
+              <a:rPr lang="ru-RU" dirty="0"/>
+              <a:t> (дата обращения: 25.09.2025).</a:t>
+            </a:r>
           </a:p>
         </p:txBody>
       </p:sp>
